--- a/Project_1/presentations/SAT and ACT analysis.pptx
+++ b/Project_1/presentations/SAT and ACT analysis.pptx
@@ -112,6 +112,11 @@
       </a:defRPr>
     </a:lvl9pPr>
   </p:defaultTextStyle>
+  <p:extLst>
+    <p:ext uri="{EFAFB233-063F-42B5-8137-9DF3F51BA10A}">
+      <p15:sldGuideLst xmlns:p15="http://schemas.microsoft.com/office/powerpoint/2012/main"/>
+    </p:ext>
+  </p:extLst>
 </p:presentation>
 </file>
 
@@ -303,7 +308,7 @@
           <a:p>
             <a:fld id="{D77CD34C-7206-4F55-9D58-529E700D26A2}" type="datetimeFigureOut">
               <a:rPr lang="en-SG" smtClean="0"/>
-              <a:t>12/12/2021</a:t>
+              <a:t>13/12/2021</a:t>
             </a:fld>
             <a:endParaRPr lang="en-SG"/>
           </a:p>
@@ -641,7 +646,7 @@
           <a:p>
             <a:fld id="{D77CD34C-7206-4F55-9D58-529E700D26A2}" type="datetimeFigureOut">
               <a:rPr lang="en-SG" smtClean="0"/>
-              <a:t>12/12/2021</a:t>
+              <a:t>13/12/2021</a:t>
             </a:fld>
             <a:endParaRPr lang="en-SG"/>
           </a:p>
@@ -1042,7 +1047,7 @@
           <a:p>
             <a:fld id="{D77CD34C-7206-4F55-9D58-529E700D26A2}" type="datetimeFigureOut">
               <a:rPr lang="en-SG" smtClean="0"/>
-              <a:t>12/12/2021</a:t>
+              <a:t>13/12/2021</a:t>
             </a:fld>
             <a:endParaRPr lang="en-SG"/>
           </a:p>
@@ -1378,7 +1383,7 @@
           <a:p>
             <a:fld id="{D77CD34C-7206-4F55-9D58-529E700D26A2}" type="datetimeFigureOut">
               <a:rPr lang="en-SG" smtClean="0"/>
-              <a:t>12/12/2021</a:t>
+              <a:t>13/12/2021</a:t>
             </a:fld>
             <a:endParaRPr lang="en-SG"/>
           </a:p>
@@ -1698,7 +1703,7 @@
           <a:p>
             <a:fld id="{D77CD34C-7206-4F55-9D58-529E700D26A2}" type="datetimeFigureOut">
               <a:rPr lang="en-SG" smtClean="0"/>
-              <a:t>12/12/2021</a:t>
+              <a:t>13/12/2021</a:t>
             </a:fld>
             <a:endParaRPr lang="en-SG"/>
           </a:p>
@@ -2094,7 +2099,7 @@
           <a:p>
             <a:fld id="{D77CD34C-7206-4F55-9D58-529E700D26A2}" type="datetimeFigureOut">
               <a:rPr lang="en-SG" smtClean="0"/>
-              <a:t>12/12/2021</a:t>
+              <a:t>13/12/2021</a:t>
             </a:fld>
             <a:endParaRPr lang="en-SG"/>
           </a:p>
@@ -2351,7 +2356,7 @@
           <a:p>
             <a:fld id="{D77CD34C-7206-4F55-9D58-529E700D26A2}" type="datetimeFigureOut">
               <a:rPr lang="en-SG" smtClean="0"/>
-              <a:t>12/12/2021</a:t>
+              <a:t>13/12/2021</a:t>
             </a:fld>
             <a:endParaRPr lang="en-SG"/>
           </a:p>
@@ -2613,7 +2618,7 @@
           <a:p>
             <a:fld id="{D77CD34C-7206-4F55-9D58-529E700D26A2}" type="datetimeFigureOut">
               <a:rPr lang="en-SG" smtClean="0"/>
-              <a:t>12/12/2021</a:t>
+              <a:t>13/12/2021</a:t>
             </a:fld>
             <a:endParaRPr lang="en-SG"/>
           </a:p>
@@ -2875,7 +2880,7 @@
           <a:p>
             <a:fld id="{D77CD34C-7206-4F55-9D58-529E700D26A2}" type="datetimeFigureOut">
               <a:rPr lang="en-SG" smtClean="0"/>
-              <a:t>12/12/2021</a:t>
+              <a:t>13/12/2021</a:t>
             </a:fld>
             <a:endParaRPr lang="en-SG"/>
           </a:p>
@@ -3204,7 +3209,7 @@
           <a:p>
             <a:fld id="{D77CD34C-7206-4F55-9D58-529E700D26A2}" type="datetimeFigureOut">
               <a:rPr lang="en-SG" smtClean="0"/>
-              <a:t>12/12/2021</a:t>
+              <a:t>13/12/2021</a:t>
             </a:fld>
             <a:endParaRPr lang="en-SG"/>
           </a:p>
@@ -3527,7 +3532,7 @@
           <a:p>
             <a:fld id="{D77CD34C-7206-4F55-9D58-529E700D26A2}" type="datetimeFigureOut">
               <a:rPr lang="en-SG" smtClean="0"/>
-              <a:t>12/12/2021</a:t>
+              <a:t>13/12/2021</a:t>
             </a:fld>
             <a:endParaRPr lang="en-SG"/>
           </a:p>
@@ -3984,7 +3989,7 @@
           <a:p>
             <a:fld id="{D77CD34C-7206-4F55-9D58-529E700D26A2}" type="datetimeFigureOut">
               <a:rPr lang="en-SG" smtClean="0"/>
-              <a:t>12/12/2021</a:t>
+              <a:t>13/12/2021</a:t>
             </a:fld>
             <a:endParaRPr lang="en-SG"/>
           </a:p>
@@ -4189,7 +4194,7 @@
           <a:p>
             <a:fld id="{D77CD34C-7206-4F55-9D58-529E700D26A2}" type="datetimeFigureOut">
               <a:rPr lang="en-SG" smtClean="0"/>
-              <a:t>12/12/2021</a:t>
+              <a:t>13/12/2021</a:t>
             </a:fld>
             <a:endParaRPr lang="en-SG"/>
           </a:p>
@@ -4366,7 +4371,7 @@
           <a:p>
             <a:fld id="{D77CD34C-7206-4F55-9D58-529E700D26A2}" type="datetimeFigureOut">
               <a:rPr lang="en-SG" smtClean="0"/>
-              <a:t>12/12/2021</a:t>
+              <a:t>13/12/2021</a:t>
             </a:fld>
             <a:endParaRPr lang="en-SG"/>
           </a:p>
@@ -4699,7 +4704,7 @@
           <a:p>
             <a:fld id="{D77CD34C-7206-4F55-9D58-529E700D26A2}" type="datetimeFigureOut">
               <a:rPr lang="en-SG" smtClean="0"/>
-              <a:t>12/12/2021</a:t>
+              <a:t>13/12/2021</a:t>
             </a:fld>
             <a:endParaRPr lang="en-SG"/>
           </a:p>
@@ -5044,7 +5049,7 @@
           <a:p>
             <a:fld id="{D77CD34C-7206-4F55-9D58-529E700D26A2}" type="datetimeFigureOut">
               <a:rPr lang="en-SG" smtClean="0"/>
-              <a:t>12/12/2021</a:t>
+              <a:t>13/12/2021</a:t>
             </a:fld>
             <a:endParaRPr lang="en-SG"/>
           </a:p>
@@ -7161,7 +7166,7 @@
           <a:p>
             <a:fld id="{D77CD34C-7206-4F55-9D58-529E700D26A2}" type="datetimeFigureOut">
               <a:rPr lang="en-SG" smtClean="0"/>
-              <a:t>12/12/2021</a:t>
+              <a:t>13/12/2021</a:t>
             </a:fld>
             <a:endParaRPr lang="en-SG"/>
           </a:p>
